--- a/PC házak, tápegységek, hűtés.pptx
+++ b/PC házak, tápegységek, hűtés.pptx
@@ -8,6 +8,8 @@
     <p:sldId id="256" r:id="rId2"/>
     <p:sldId id="257" r:id="rId3"/>
     <p:sldId id="258" r:id="rId4"/>
+    <p:sldId id="259" r:id="rId5"/>
+    <p:sldId id="260" r:id="rId6"/>
   </p:sldIdLst>
   <p:sldSz cx="12192000" cy="6858000"/>
   <p:notesSz cx="6858000" cy="9144000"/>
@@ -106,6 +108,11 @@
       </a:defRPr>
     </a:lvl9pPr>
   </p:defaultTextStyle>
+  <p:extLst>
+    <p:ext uri="{EFAFB233-063F-42B5-8137-9DF3F51BA10A}">
+      <p15:sldGuideLst xmlns:p15="http://schemas.microsoft.com/office/powerpoint/2012/main"/>
+    </p:ext>
+  </p:extLst>
 </p:presentation>
 </file>
 
@@ -322,7 +329,7 @@
           <a:p>
             <a:fld id="{A25CDBC5-588B-4C6C-9396-CC93DA356DB1}" type="datetimeFigureOut">
               <a:rPr lang="hu-HU" smtClean="0"/>
-              <a:t>2023.10.03.</a:t>
+              <a:t>2023.10.04.</a:t>
             </a:fld>
             <a:endParaRPr lang="hu-HU"/>
           </a:p>
@@ -613,7 +620,7 @@
           <a:p>
             <a:fld id="{A25CDBC5-588B-4C6C-9396-CC93DA356DB1}" type="datetimeFigureOut">
               <a:rPr lang="hu-HU" smtClean="0"/>
-              <a:t>2023.10.03.</a:t>
+              <a:t>2023.10.04.</a:t>
             </a:fld>
             <a:endParaRPr lang="hu-HU"/>
           </a:p>
@@ -872,7 +879,7 @@
           <a:p>
             <a:fld id="{A25CDBC5-588B-4C6C-9396-CC93DA356DB1}" type="datetimeFigureOut">
               <a:rPr lang="hu-HU" smtClean="0"/>
-              <a:t>2023.10.03.</a:t>
+              <a:t>2023.10.04.</a:t>
             </a:fld>
             <a:endParaRPr lang="hu-HU"/>
           </a:p>
@@ -1341,7 +1348,7 @@
           <a:p>
             <a:fld id="{A25CDBC5-588B-4C6C-9396-CC93DA356DB1}" type="datetimeFigureOut">
               <a:rPr lang="hu-HU" smtClean="0"/>
-              <a:t>2023.10.03.</a:t>
+              <a:t>2023.10.04.</a:t>
             </a:fld>
             <a:endParaRPr lang="hu-HU"/>
           </a:p>
@@ -1521,7 +1528,7 @@
           <a:p>
             <a:fld id="{A25CDBC5-588B-4C6C-9396-CC93DA356DB1}" type="datetimeFigureOut">
               <a:rPr lang="hu-HU" smtClean="0"/>
-              <a:t>2023.10.03.</a:t>
+              <a:t>2023.10.04.</a:t>
             </a:fld>
             <a:endParaRPr lang="hu-HU"/>
           </a:p>
@@ -2097,7 +2104,7 @@
           <a:p>
             <a:fld id="{A25CDBC5-588B-4C6C-9396-CC93DA356DB1}" type="datetimeFigureOut">
               <a:rPr lang="hu-HU" smtClean="0"/>
-              <a:t>2023.10.03.</a:t>
+              <a:t>2023.10.04.</a:t>
             </a:fld>
             <a:endParaRPr lang="hu-HU"/>
           </a:p>
@@ -2429,7 +2436,7 @@
           <a:p>
             <a:fld id="{A25CDBC5-588B-4C6C-9396-CC93DA356DB1}" type="datetimeFigureOut">
               <a:rPr lang="hu-HU" smtClean="0"/>
-              <a:t>2023.10.03.</a:t>
+              <a:t>2023.10.04.</a:t>
             </a:fld>
             <a:endParaRPr lang="hu-HU"/>
           </a:p>
@@ -2604,7 +2611,7 @@
           <a:p>
             <a:fld id="{A25CDBC5-588B-4C6C-9396-CC93DA356DB1}" type="datetimeFigureOut">
               <a:rPr lang="hu-HU" smtClean="0"/>
-              <a:t>2023.10.03.</a:t>
+              <a:t>2023.10.04.</a:t>
             </a:fld>
             <a:endParaRPr lang="hu-HU"/>
           </a:p>
@@ -2784,7 +2791,7 @@
           <a:p>
             <a:fld id="{A25CDBC5-588B-4C6C-9396-CC93DA356DB1}" type="datetimeFigureOut">
               <a:rPr lang="hu-HU" smtClean="0"/>
-              <a:t>2023.10.03.</a:t>
+              <a:t>2023.10.04.</a:t>
             </a:fld>
             <a:endParaRPr lang="hu-HU"/>
           </a:p>
@@ -2954,7 +2961,7 @@
           <a:p>
             <a:fld id="{A25CDBC5-588B-4C6C-9396-CC93DA356DB1}" type="datetimeFigureOut">
               <a:rPr lang="hu-HU" smtClean="0"/>
-              <a:t>2023.10.03.</a:t>
+              <a:t>2023.10.04.</a:t>
             </a:fld>
             <a:endParaRPr lang="hu-HU"/>
           </a:p>
@@ -3211,7 +3218,7 @@
           <a:p>
             <a:fld id="{A25CDBC5-588B-4C6C-9396-CC93DA356DB1}" type="datetimeFigureOut">
               <a:rPr lang="hu-HU" smtClean="0"/>
-              <a:t>2023.10.03.</a:t>
+              <a:t>2023.10.04.</a:t>
             </a:fld>
             <a:endParaRPr lang="hu-HU"/>
           </a:p>
@@ -3503,7 +3510,7 @@
           <a:p>
             <a:fld id="{A25CDBC5-588B-4C6C-9396-CC93DA356DB1}" type="datetimeFigureOut">
               <a:rPr lang="hu-HU" smtClean="0"/>
-              <a:t>2023.10.03.</a:t>
+              <a:t>2023.10.04.</a:t>
             </a:fld>
             <a:endParaRPr lang="hu-HU"/>
           </a:p>
@@ -3933,7 +3940,7 @@
           <a:p>
             <a:fld id="{A25CDBC5-588B-4C6C-9396-CC93DA356DB1}" type="datetimeFigureOut">
               <a:rPr lang="hu-HU" smtClean="0"/>
-              <a:t>2023.10.03.</a:t>
+              <a:t>2023.10.04.</a:t>
             </a:fld>
             <a:endParaRPr lang="hu-HU"/>
           </a:p>
@@ -4051,7 +4058,7 @@
           <a:p>
             <a:fld id="{A25CDBC5-588B-4C6C-9396-CC93DA356DB1}" type="datetimeFigureOut">
               <a:rPr lang="hu-HU" smtClean="0"/>
-              <a:t>2023.10.03.</a:t>
+              <a:t>2023.10.04.</a:t>
             </a:fld>
             <a:endParaRPr lang="hu-HU"/>
           </a:p>
@@ -4146,7 +4153,7 @@
           <a:p>
             <a:fld id="{A25CDBC5-588B-4C6C-9396-CC93DA356DB1}" type="datetimeFigureOut">
               <a:rPr lang="hu-HU" smtClean="0"/>
-              <a:t>2023.10.03.</a:t>
+              <a:t>2023.10.04.</a:t>
             </a:fld>
             <a:endParaRPr lang="hu-HU"/>
           </a:p>
@@ -4429,7 +4436,7 @@
           <a:p>
             <a:fld id="{A25CDBC5-588B-4C6C-9396-CC93DA356DB1}" type="datetimeFigureOut">
               <a:rPr lang="hu-HU" smtClean="0"/>
-              <a:t>2023.10.03.</a:t>
+              <a:t>2023.10.04.</a:t>
             </a:fld>
             <a:endParaRPr lang="hu-HU"/>
           </a:p>
@@ -4720,7 +4727,7 @@
           <a:p>
             <a:fld id="{A25CDBC5-588B-4C6C-9396-CC93DA356DB1}" type="datetimeFigureOut">
               <a:rPr lang="hu-HU" smtClean="0"/>
-              <a:t>2023.10.03.</a:t>
+              <a:t>2023.10.04.</a:t>
             </a:fld>
             <a:endParaRPr lang="hu-HU"/>
           </a:p>
@@ -4951,7 +4958,7 @@
           <a:p>
             <a:fld id="{A25CDBC5-588B-4C6C-9396-CC93DA356DB1}" type="datetimeFigureOut">
               <a:rPr lang="hu-HU" smtClean="0"/>
-              <a:t>2023.10.03.</a:t>
+              <a:t>2023.10.04.</a:t>
             </a:fld>
             <a:endParaRPr lang="hu-HU"/>
           </a:p>
@@ -5732,7 +5739,7 @@
         </p:nvSpPr>
         <p:spPr>
           <a:xfrm>
-            <a:off x="1601942" y="2474259"/>
+            <a:off x="1601942" y="1398495"/>
             <a:ext cx="8974362" cy="1335742"/>
           </a:xfrm>
         </p:spPr>
@@ -5803,8 +5810,17 @@
             </a:pPr>
             <a:r>
               <a:rPr lang="hu-HU" dirty="0" smtClean="0"/>
-              <a:t>Varga József</a:t>
-            </a:r>
+              <a:t>Varga </a:t>
+            </a:r>
+            <a:r>
+              <a:rPr lang="hu-HU" dirty="0" err="1" smtClean="0"/>
+              <a:t>Vityo</a:t>
+            </a:r>
+            <a:r>
+              <a:rPr lang="hu-HU" dirty="0" smtClean="0"/>
+              <a:t> József</a:t>
+            </a:r>
+            <a:endParaRPr lang="hu-HU" dirty="0" smtClean="0"/>
           </a:p>
         </p:txBody>
       </p:sp>
@@ -5818,6 +5834,13 @@
   <p:clrMapOvr>
     <a:masterClrMapping/>
   </p:clrMapOvr>
+  <p:timing>
+    <p:tnLst>
+      <p:par>
+        <p:cTn id="1" dur="indefinite" restart="never" nodeType="tmRoot"/>
+      </p:par>
+    </p:tnLst>
+  </p:timing>
 </p:sld>
 </file>
 
@@ -6078,6 +6101,13 @@
   <p:clrMapOvr>
     <a:masterClrMapping/>
   </p:clrMapOvr>
+  <p:timing>
+    <p:tnLst>
+      <p:par>
+        <p:cTn id="1" dur="indefinite" restart="never" nodeType="tmRoot"/>
+      </p:par>
+    </p:tnLst>
+  </p:timing>
 </p:sld>
 </file>
 
@@ -6108,7 +6138,12 @@
             <p:ph type="title"/>
           </p:nvPr>
         </p:nvSpPr>
-        <p:spPr/>
+        <p:spPr>
+          <a:xfrm>
+            <a:off x="1141413" y="609600"/>
+            <a:ext cx="9905998" cy="1466626"/>
+          </a:xfrm>
+        </p:spPr>
         <p:txBody>
           <a:bodyPr/>
           <a:lstStyle/>
@@ -6139,31 +6174,68 @@
             <p:ph sz="half" idx="1"/>
           </p:nvPr>
         </p:nvSpPr>
-        <p:spPr/>
+        <p:spPr>
+          <a:xfrm>
+            <a:off x="1141413" y="2666999"/>
+            <a:ext cx="4876800" cy="2130912"/>
+          </a:xfrm>
+        </p:spPr>
         <p:txBody>
           <a:bodyPr/>
           <a:lstStyle/>
           <a:p>
+            <a:pPr marL="0" indent="0">
+              <a:buNone/>
+            </a:pPr>
+            <a:r>
+              <a:rPr lang="hu-HU" dirty="0" smtClean="0"/>
+              <a:t>Igény</a:t>
+            </a:r>
+          </a:p>
+          <a:p>
+            <a:r>
+              <a:rPr lang="hu-HU" dirty="0" smtClean="0"/>
+              <a:t>Típus</a:t>
+            </a:r>
+          </a:p>
+          <a:p>
+            <a:r>
+              <a:rPr lang="hu-HU" dirty="0" smtClean="0"/>
+              <a:t>Ár</a:t>
+            </a:r>
+          </a:p>
+          <a:p>
+            <a:r>
+              <a:rPr lang="hu-HU" dirty="0" smtClean="0"/>
+              <a:t>Méret</a:t>
+            </a:r>
+          </a:p>
+        </p:txBody>
+      </p:sp>
+      <p:sp>
+        <p:nvSpPr>
+          <p:cNvPr id="4" name="Tartalom helye 3"/>
+          <p:cNvSpPr>
+            <a:spLocks noGrp="1"/>
+          </p:cNvSpPr>
+          <p:nvPr>
+            <p:ph sz="half" idx="2"/>
+          </p:nvPr>
+        </p:nvSpPr>
+        <p:spPr>
+          <a:xfrm>
+            <a:off x="6170611" y="2666999"/>
+            <a:ext cx="4876800" cy="3124200"/>
+          </a:xfrm>
+        </p:spPr>
+        <p:txBody>
+          <a:bodyPr/>
+          <a:lstStyle/>
+          <a:p>
+            <a:pPr marL="0" indent="0">
+              <a:buNone/>
+            </a:pPr>
             <a:endParaRPr lang="hu-HU" dirty="0"/>
-          </a:p>
-        </p:txBody>
-      </p:sp>
-      <p:sp>
-        <p:nvSpPr>
-          <p:cNvPr id="4" name="Tartalom helye 3"/>
-          <p:cNvSpPr>
-            <a:spLocks noGrp="1"/>
-          </p:cNvSpPr>
-          <p:nvPr>
-            <p:ph sz="half" idx="2"/>
-          </p:nvPr>
-        </p:nvSpPr>
-        <p:spPr/>
-        <p:txBody>
-          <a:bodyPr/>
-          <a:lstStyle/>
-          <a:p>
-            <a:endParaRPr lang="hu-HU"/>
           </a:p>
         </p:txBody>
       </p:sp>
@@ -6177,6 +6249,306 @@
   <p:clrMapOvr>
     <a:masterClrMapping/>
   </p:clrMapOvr>
+  <p:timing>
+    <p:tnLst>
+      <p:par>
+        <p:cTn id="1" dur="indefinite" restart="never" nodeType="tmRoot"/>
+      </p:par>
+    </p:tnLst>
+  </p:timing>
+</p:sld>
+</file>
+
+<file path=ppt/slides/slide4.xml><?xml version="1.0" encoding="utf-8"?>
+<p:sld xmlns:a="http://schemas.openxmlformats.org/drawingml/2006/main" xmlns:r="http://schemas.openxmlformats.org/officeDocument/2006/relationships" xmlns:p="http://schemas.openxmlformats.org/presentationml/2006/main">
+  <p:cSld>
+    <p:spTree>
+      <p:nvGrpSpPr>
+        <p:cNvPr id="1" name=""/>
+        <p:cNvGrpSpPr/>
+        <p:nvPr/>
+      </p:nvGrpSpPr>
+      <p:grpSpPr>
+        <a:xfrm>
+          <a:off x="0" y="0"/>
+          <a:ext cx="0" cy="0"/>
+          <a:chOff x="0" y="0"/>
+          <a:chExt cx="0" cy="0"/>
+        </a:xfrm>
+      </p:grpSpPr>
+      <p:sp>
+        <p:nvSpPr>
+          <p:cNvPr id="2" name="Cím 1"/>
+          <p:cNvSpPr>
+            <a:spLocks noGrp="1"/>
+          </p:cNvSpPr>
+          <p:nvPr>
+            <p:ph type="title"/>
+          </p:nvPr>
+        </p:nvSpPr>
+        <p:spPr>
+          <a:xfrm>
+            <a:off x="1141413" y="609600"/>
+            <a:ext cx="3310271" cy="1014663"/>
+          </a:xfrm>
+        </p:spPr>
+        <p:txBody>
+          <a:bodyPr/>
+          <a:lstStyle/>
+          <a:p>
+            <a:r>
+              <a:rPr lang="hu-HU" dirty="0" smtClean="0"/>
+              <a:t>Tápegység</a:t>
+            </a:r>
+            <a:endParaRPr lang="hu-HU" dirty="0"/>
+          </a:p>
+        </p:txBody>
+      </p:sp>
+      <p:sp>
+        <p:nvSpPr>
+          <p:cNvPr id="3" name="Tartalom helye 2"/>
+          <p:cNvSpPr>
+            <a:spLocks noGrp="1"/>
+          </p:cNvSpPr>
+          <p:nvPr>
+            <p:ph idx="1"/>
+          </p:nvPr>
+        </p:nvSpPr>
+        <p:spPr>
+          <a:xfrm>
+            <a:off x="1141413" y="1624263"/>
+            <a:ext cx="9783261" cy="4054643"/>
+          </a:xfrm>
+        </p:spPr>
+        <p:txBody>
+          <a:bodyPr>
+            <a:normAutofit/>
+          </a:bodyPr>
+          <a:lstStyle/>
+          <a:p>
+            <a:pPr marL="0" indent="0">
+              <a:buNone/>
+            </a:pPr>
+            <a:r>
+              <a:rPr lang="hu-HU" sz="2400" dirty="0">
+                <a:effectLst/>
+              </a:rPr>
+              <a:t>Átalakítja a hálózati áramot, </a:t>
+            </a:r>
+            <a:r>
+              <a:rPr lang="hu-HU" sz="2400" dirty="0" smtClean="0">
+                <a:effectLst/>
+              </a:rPr>
+              <a:t>hőt termel </a:t>
+            </a:r>
+            <a:r>
+              <a:rPr lang="hu-HU" sz="2400" dirty="0" smtClean="0">
+                <a:effectLst/>
+                <a:sym typeface="Wingdings" panose="05000000000000000000" pitchFamily="2" charset="2"/>
+              </a:rPr>
+              <a:t> </a:t>
+            </a:r>
+            <a:r>
+              <a:rPr lang="hu-HU" sz="2400" dirty="0" smtClean="0">
+                <a:effectLst/>
+              </a:rPr>
+              <a:t>veszteség</a:t>
+            </a:r>
+            <a:r>
+              <a:rPr lang="hu-HU" sz="2400" dirty="0">
+                <a:effectLst/>
+              </a:rPr>
+              <a:t>.</a:t>
+            </a:r>
+          </a:p>
+          <a:p>
+            <a:pPr marL="0" indent="0">
+              <a:buNone/>
+            </a:pPr>
+            <a:r>
+              <a:rPr lang="hu-HU" sz="2400" dirty="0">
+                <a:effectLst/>
+              </a:rPr>
+              <a:t>A hatásfok megmutatja mennyi </a:t>
+            </a:r>
+            <a:r>
+              <a:rPr lang="hu-HU" sz="2400" dirty="0" smtClean="0">
+                <a:effectLst/>
+              </a:rPr>
+              <a:t>a </a:t>
+            </a:r>
+            <a:r>
+              <a:rPr lang="hu-HU" sz="2400" dirty="0">
+                <a:effectLst/>
+              </a:rPr>
+              <a:t>veszteség.</a:t>
+            </a:r>
+          </a:p>
+          <a:p>
+            <a:pPr lvl="1"/>
+            <a:r>
+              <a:rPr lang="hu-HU" sz="2200" dirty="0"/>
+              <a:t>bronz</a:t>
+            </a:r>
+          </a:p>
+          <a:p>
+            <a:pPr lvl="1"/>
+            <a:r>
+              <a:rPr lang="hu-HU" sz="2200" dirty="0"/>
+              <a:t>silver</a:t>
+            </a:r>
+          </a:p>
+          <a:p>
+            <a:pPr lvl="1"/>
+            <a:r>
+              <a:rPr lang="hu-HU" sz="2200" dirty="0"/>
+              <a:t>gold</a:t>
+            </a:r>
+          </a:p>
+          <a:p>
+            <a:pPr lvl="1"/>
+            <a:r>
+              <a:rPr lang="hu-HU" sz="2200" dirty="0"/>
+              <a:t>platinum</a:t>
+            </a:r>
+          </a:p>
+          <a:p>
+            <a:pPr lvl="1"/>
+            <a:r>
+              <a:rPr lang="hu-HU" sz="2200" dirty="0"/>
+              <a:t>titánium</a:t>
+            </a:r>
+          </a:p>
+          <a:p>
+            <a:pPr marL="0" indent="0">
+              <a:buNone/>
+            </a:pPr>
+            <a:endParaRPr lang="hu-HU" dirty="0"/>
+          </a:p>
+        </p:txBody>
+      </p:sp>
+      <p:pic>
+        <p:nvPicPr>
+          <p:cNvPr id="5" name="Kép 4"/>
+          <p:cNvPicPr>
+            <a:picLocks noChangeAspect="1"/>
+          </p:cNvPicPr>
+          <p:nvPr/>
+        </p:nvPicPr>
+        <p:blipFill>
+          <a:blip r:embed="rId2">
+            <a:extLst>
+              <a:ext uri="{28A0092B-C50C-407E-A947-70E740481C1C}">
+                <a14:useLocalDpi xmlns:a14="http://schemas.microsoft.com/office/drawing/2010/main" val="0"/>
+              </a:ext>
+            </a:extLst>
+          </a:blip>
+          <a:stretch>
+            <a:fillRect/>
+          </a:stretch>
+        </p:blipFill>
+        <p:spPr>
+          <a:xfrm>
+            <a:off x="7180142" y="2168286"/>
+            <a:ext cx="4586742" cy="4586742"/>
+          </a:xfrm>
+          <a:prstGeom prst="rect">
+            <a:avLst/>
+          </a:prstGeom>
+        </p:spPr>
+      </p:pic>
+    </p:spTree>
+    <p:extLst>
+      <p:ext uri="{BB962C8B-B14F-4D97-AF65-F5344CB8AC3E}">
+        <p14:creationId xmlns:p14="http://schemas.microsoft.com/office/powerpoint/2010/main" val="3390114719"/>
+      </p:ext>
+    </p:extLst>
+  </p:cSld>
+  <p:clrMapOvr>
+    <a:masterClrMapping/>
+  </p:clrMapOvr>
+  <p:timing>
+    <p:tnLst>
+      <p:par>
+        <p:cTn id="1" dur="indefinite" restart="never" nodeType="tmRoot"/>
+      </p:par>
+    </p:tnLst>
+  </p:timing>
+</p:sld>
+</file>
+
+<file path=ppt/slides/slide5.xml><?xml version="1.0" encoding="utf-8"?>
+<p:sld xmlns:a="http://schemas.openxmlformats.org/drawingml/2006/main" xmlns:r="http://schemas.openxmlformats.org/officeDocument/2006/relationships" xmlns:p="http://schemas.openxmlformats.org/presentationml/2006/main">
+  <p:cSld>
+    <p:spTree>
+      <p:nvGrpSpPr>
+        <p:cNvPr id="1" name=""/>
+        <p:cNvGrpSpPr/>
+        <p:nvPr/>
+      </p:nvGrpSpPr>
+      <p:grpSpPr>
+        <a:xfrm>
+          <a:off x="0" y="0"/>
+          <a:ext cx="0" cy="0"/>
+          <a:chOff x="0" y="0"/>
+          <a:chExt cx="0" cy="0"/>
+        </a:xfrm>
+      </p:grpSpPr>
+      <p:sp>
+        <p:nvSpPr>
+          <p:cNvPr id="2" name="Cím 1"/>
+          <p:cNvSpPr>
+            <a:spLocks noGrp="1"/>
+          </p:cNvSpPr>
+          <p:nvPr>
+            <p:ph type="title"/>
+          </p:nvPr>
+        </p:nvSpPr>
+        <p:spPr/>
+        <p:txBody>
+          <a:bodyPr/>
+          <a:lstStyle/>
+          <a:p>
+            <a:endParaRPr lang="hu-HU" dirty="0"/>
+          </a:p>
+        </p:txBody>
+      </p:sp>
+      <p:sp>
+        <p:nvSpPr>
+          <p:cNvPr id="5" name="Tartalom helye 4"/>
+          <p:cNvSpPr>
+            <a:spLocks noGrp="1"/>
+          </p:cNvSpPr>
+          <p:nvPr>
+            <p:ph idx="1"/>
+          </p:nvPr>
+        </p:nvSpPr>
+        <p:spPr/>
+        <p:txBody>
+          <a:bodyPr/>
+          <a:lstStyle/>
+          <a:p>
+            <a:endParaRPr lang="hu-HU"/>
+          </a:p>
+        </p:txBody>
+      </p:sp>
+    </p:spTree>
+    <p:extLst>
+      <p:ext uri="{BB962C8B-B14F-4D97-AF65-F5344CB8AC3E}">
+        <p14:creationId xmlns:p14="http://schemas.microsoft.com/office/powerpoint/2010/main" val="4033940404"/>
+      </p:ext>
+    </p:extLst>
+  </p:cSld>
+  <p:clrMapOvr>
+    <a:masterClrMapping/>
+  </p:clrMapOvr>
+  <p:timing>
+    <p:tnLst>
+      <p:par>
+        <p:cTn id="1" dur="indefinite" restart="never" nodeType="tmRoot"/>
+      </p:par>
+    </p:tnLst>
+  </p:timing>
 </p:sld>
 </file>
 

--- a/PC házak, tápegységek, hűtés.pptx
+++ b/PC házak, tápegységek, hűtés.pptx
@@ -8,8 +8,9 @@
     <p:sldId id="256" r:id="rId2"/>
     <p:sldId id="257" r:id="rId3"/>
     <p:sldId id="258" r:id="rId4"/>
-    <p:sldId id="259" r:id="rId5"/>
-    <p:sldId id="260" r:id="rId6"/>
+    <p:sldId id="261" r:id="rId5"/>
+    <p:sldId id="259" r:id="rId6"/>
+    <p:sldId id="260" r:id="rId7"/>
   </p:sldIdLst>
   <p:sldSz cx="12192000" cy="6858000"/>
   <p:notesSz cx="6858000" cy="9144000"/>
@@ -329,7 +330,7 @@
           <a:p>
             <a:fld id="{A25CDBC5-588B-4C6C-9396-CC93DA356DB1}" type="datetimeFigureOut">
               <a:rPr lang="hu-HU" smtClean="0"/>
-              <a:t>2023.10.04.</a:t>
+              <a:t>2023.10.11.</a:t>
             </a:fld>
             <a:endParaRPr lang="hu-HU"/>
           </a:p>
@@ -620,7 +621,7 @@
           <a:p>
             <a:fld id="{A25CDBC5-588B-4C6C-9396-CC93DA356DB1}" type="datetimeFigureOut">
               <a:rPr lang="hu-HU" smtClean="0"/>
-              <a:t>2023.10.04.</a:t>
+              <a:t>2023.10.11.</a:t>
             </a:fld>
             <a:endParaRPr lang="hu-HU"/>
           </a:p>
@@ -879,7 +880,7 @@
           <a:p>
             <a:fld id="{A25CDBC5-588B-4C6C-9396-CC93DA356DB1}" type="datetimeFigureOut">
               <a:rPr lang="hu-HU" smtClean="0"/>
-              <a:t>2023.10.04.</a:t>
+              <a:t>2023.10.11.</a:t>
             </a:fld>
             <a:endParaRPr lang="hu-HU"/>
           </a:p>
@@ -1348,7 +1349,7 @@
           <a:p>
             <a:fld id="{A25CDBC5-588B-4C6C-9396-CC93DA356DB1}" type="datetimeFigureOut">
               <a:rPr lang="hu-HU" smtClean="0"/>
-              <a:t>2023.10.04.</a:t>
+              <a:t>2023.10.11.</a:t>
             </a:fld>
             <a:endParaRPr lang="hu-HU"/>
           </a:p>
@@ -1528,7 +1529,7 @@
           <a:p>
             <a:fld id="{A25CDBC5-588B-4C6C-9396-CC93DA356DB1}" type="datetimeFigureOut">
               <a:rPr lang="hu-HU" smtClean="0"/>
-              <a:t>2023.10.04.</a:t>
+              <a:t>2023.10.11.</a:t>
             </a:fld>
             <a:endParaRPr lang="hu-HU"/>
           </a:p>
@@ -2104,7 +2105,7 @@
           <a:p>
             <a:fld id="{A25CDBC5-588B-4C6C-9396-CC93DA356DB1}" type="datetimeFigureOut">
               <a:rPr lang="hu-HU" smtClean="0"/>
-              <a:t>2023.10.04.</a:t>
+              <a:t>2023.10.11.</a:t>
             </a:fld>
             <a:endParaRPr lang="hu-HU"/>
           </a:p>
@@ -2436,7 +2437,7 @@
           <a:p>
             <a:fld id="{A25CDBC5-588B-4C6C-9396-CC93DA356DB1}" type="datetimeFigureOut">
               <a:rPr lang="hu-HU" smtClean="0"/>
-              <a:t>2023.10.04.</a:t>
+              <a:t>2023.10.11.</a:t>
             </a:fld>
             <a:endParaRPr lang="hu-HU"/>
           </a:p>
@@ -2611,7 +2612,7 @@
           <a:p>
             <a:fld id="{A25CDBC5-588B-4C6C-9396-CC93DA356DB1}" type="datetimeFigureOut">
               <a:rPr lang="hu-HU" smtClean="0"/>
-              <a:t>2023.10.04.</a:t>
+              <a:t>2023.10.11.</a:t>
             </a:fld>
             <a:endParaRPr lang="hu-HU"/>
           </a:p>
@@ -2791,7 +2792,7 @@
           <a:p>
             <a:fld id="{A25CDBC5-588B-4C6C-9396-CC93DA356DB1}" type="datetimeFigureOut">
               <a:rPr lang="hu-HU" smtClean="0"/>
-              <a:t>2023.10.04.</a:t>
+              <a:t>2023.10.11.</a:t>
             </a:fld>
             <a:endParaRPr lang="hu-HU"/>
           </a:p>
@@ -2961,7 +2962,7 @@
           <a:p>
             <a:fld id="{A25CDBC5-588B-4C6C-9396-CC93DA356DB1}" type="datetimeFigureOut">
               <a:rPr lang="hu-HU" smtClean="0"/>
-              <a:t>2023.10.04.</a:t>
+              <a:t>2023.10.11.</a:t>
             </a:fld>
             <a:endParaRPr lang="hu-HU"/>
           </a:p>
@@ -3218,7 +3219,7 @@
           <a:p>
             <a:fld id="{A25CDBC5-588B-4C6C-9396-CC93DA356DB1}" type="datetimeFigureOut">
               <a:rPr lang="hu-HU" smtClean="0"/>
-              <a:t>2023.10.04.</a:t>
+              <a:t>2023.10.11.</a:t>
             </a:fld>
             <a:endParaRPr lang="hu-HU"/>
           </a:p>
@@ -3510,7 +3511,7 @@
           <a:p>
             <a:fld id="{A25CDBC5-588B-4C6C-9396-CC93DA356DB1}" type="datetimeFigureOut">
               <a:rPr lang="hu-HU" smtClean="0"/>
-              <a:t>2023.10.04.</a:t>
+              <a:t>2023.10.11.</a:t>
             </a:fld>
             <a:endParaRPr lang="hu-HU"/>
           </a:p>
@@ -3940,7 +3941,7 @@
           <a:p>
             <a:fld id="{A25CDBC5-588B-4C6C-9396-CC93DA356DB1}" type="datetimeFigureOut">
               <a:rPr lang="hu-HU" smtClean="0"/>
-              <a:t>2023.10.04.</a:t>
+              <a:t>2023.10.11.</a:t>
             </a:fld>
             <a:endParaRPr lang="hu-HU"/>
           </a:p>
@@ -4058,7 +4059,7 @@
           <a:p>
             <a:fld id="{A25CDBC5-588B-4C6C-9396-CC93DA356DB1}" type="datetimeFigureOut">
               <a:rPr lang="hu-HU" smtClean="0"/>
-              <a:t>2023.10.04.</a:t>
+              <a:t>2023.10.11.</a:t>
             </a:fld>
             <a:endParaRPr lang="hu-HU"/>
           </a:p>
@@ -4153,7 +4154,7 @@
           <a:p>
             <a:fld id="{A25CDBC5-588B-4C6C-9396-CC93DA356DB1}" type="datetimeFigureOut">
               <a:rPr lang="hu-HU" smtClean="0"/>
-              <a:t>2023.10.04.</a:t>
+              <a:t>2023.10.11.</a:t>
             </a:fld>
             <a:endParaRPr lang="hu-HU"/>
           </a:p>
@@ -4436,7 +4437,7 @@
           <a:p>
             <a:fld id="{A25CDBC5-588B-4C6C-9396-CC93DA356DB1}" type="datetimeFigureOut">
               <a:rPr lang="hu-HU" smtClean="0"/>
-              <a:t>2023.10.04.</a:t>
+              <a:t>2023.10.11.</a:t>
             </a:fld>
             <a:endParaRPr lang="hu-HU"/>
           </a:p>
@@ -4727,7 +4728,7 @@
           <a:p>
             <a:fld id="{A25CDBC5-588B-4C6C-9396-CC93DA356DB1}" type="datetimeFigureOut">
               <a:rPr lang="hu-HU" smtClean="0"/>
-              <a:t>2023.10.04.</a:t>
+              <a:t>2023.10.11.</a:t>
             </a:fld>
             <a:endParaRPr lang="hu-HU"/>
           </a:p>
@@ -4958,7 +4959,7 @@
           <a:p>
             <a:fld id="{A25CDBC5-588B-4C6C-9396-CC93DA356DB1}" type="datetimeFigureOut">
               <a:rPr lang="hu-HU" smtClean="0"/>
-              <a:t>2023.10.04.</a:t>
+              <a:t>2023.10.11.</a:t>
             </a:fld>
             <a:endParaRPr lang="hu-HU"/>
           </a:p>
@@ -5813,12 +5814,8 @@
               <a:t>Varga </a:t>
             </a:r>
             <a:r>
-              <a:rPr lang="hu-HU" dirty="0" err="1" smtClean="0"/>
-              <a:t>Vityo</a:t>
-            </a:r>
-            <a:r>
               <a:rPr lang="hu-HU" dirty="0" smtClean="0"/>
-              <a:t> József</a:t>
+              <a:t>József</a:t>
             </a:r>
             <a:endParaRPr lang="hu-HU" dirty="0" smtClean="0"/>
           </a:p>
@@ -6176,69 +6173,73 @@
         </p:nvSpPr>
         <p:spPr>
           <a:xfrm>
-            <a:off x="1141413" y="2666999"/>
-            <a:ext cx="4876800" cy="2130912"/>
+            <a:off x="1141413" y="2666998"/>
+            <a:ext cx="4876800" cy="2744097"/>
           </a:xfrm>
         </p:spPr>
         <p:txBody>
-          <a:bodyPr/>
+          <a:bodyPr>
+            <a:noAutofit/>
+          </a:bodyPr>
           <a:lstStyle/>
           <a:p>
             <a:pPr marL="0" indent="0">
               <a:buNone/>
             </a:pPr>
             <a:r>
-              <a:rPr lang="hu-HU" dirty="0" smtClean="0"/>
+              <a:rPr lang="hu-HU" sz="2800" dirty="0" smtClean="0"/>
               <a:t>Igény</a:t>
             </a:r>
           </a:p>
           <a:p>
             <a:r>
-              <a:rPr lang="hu-HU" dirty="0" smtClean="0"/>
+              <a:rPr lang="hu-HU" sz="2800" dirty="0" smtClean="0"/>
               <a:t>Típus</a:t>
             </a:r>
           </a:p>
           <a:p>
             <a:r>
-              <a:rPr lang="hu-HU" dirty="0" smtClean="0"/>
+              <a:rPr lang="hu-HU" sz="2800" dirty="0" smtClean="0"/>
               <a:t>Ár</a:t>
             </a:r>
           </a:p>
           <a:p>
             <a:r>
-              <a:rPr lang="hu-HU" dirty="0" smtClean="0"/>
+              <a:rPr lang="hu-HU" sz="2800" dirty="0" smtClean="0"/>
               <a:t>Méret</a:t>
             </a:r>
           </a:p>
         </p:txBody>
       </p:sp>
-      <p:sp>
-        <p:nvSpPr>
-          <p:cNvPr id="4" name="Tartalom helye 3"/>
-          <p:cNvSpPr>
-            <a:spLocks noGrp="1"/>
-          </p:cNvSpPr>
+      <p:pic>
+        <p:nvPicPr>
+          <p:cNvPr id="5" name="Tartalom helye 4"/>
+          <p:cNvPicPr>
+            <a:picLocks noGrp="1" noChangeAspect="1"/>
+          </p:cNvPicPr>
           <p:nvPr>
             <p:ph sz="half" idx="2"/>
           </p:nvPr>
-        </p:nvSpPr>
+        </p:nvPicPr>
+        <p:blipFill>
+          <a:blip r:embed="rId2">
+            <a:extLst>
+              <a:ext uri="{28A0092B-C50C-407E-A947-70E740481C1C}">
+                <a14:useLocalDpi xmlns:a14="http://schemas.microsoft.com/office/drawing/2010/main" val="0"/>
+              </a:ext>
+            </a:extLst>
+          </a:blip>
+          <a:stretch>
+            <a:fillRect/>
+          </a:stretch>
+        </p:blipFill>
         <p:spPr>
           <a:xfrm>
-            <a:off x="6170611" y="2666999"/>
-            <a:ext cx="4876800" cy="3124200"/>
+            <a:off x="4870479" y="1290918"/>
+            <a:ext cx="7181672" cy="5389366"/>
           </a:xfrm>
         </p:spPr>
-        <p:txBody>
-          <a:bodyPr/>
-          <a:lstStyle/>
-          <a:p>
-            <a:pPr marL="0" indent="0">
-              <a:buNone/>
-            </a:pPr>
-            <a:endParaRPr lang="hu-HU" dirty="0"/>
-          </a:p>
-        </p:txBody>
-      </p:sp>
+      </p:pic>
     </p:spTree>
     <p:extLst>
       <p:ext uri="{BB962C8B-B14F-4D97-AF65-F5344CB8AC3E}">
@@ -6260,6 +6261,258 @@
 </file>
 
 <file path=ppt/slides/slide4.xml><?xml version="1.0" encoding="utf-8"?>
+<p:sld xmlns:a="http://schemas.openxmlformats.org/drawingml/2006/main" xmlns:r="http://schemas.openxmlformats.org/officeDocument/2006/relationships" xmlns:p="http://schemas.openxmlformats.org/presentationml/2006/main">
+  <p:cSld>
+    <p:spTree>
+      <p:nvGrpSpPr>
+        <p:cNvPr id="1" name=""/>
+        <p:cNvGrpSpPr/>
+        <p:nvPr/>
+      </p:nvGrpSpPr>
+      <p:grpSpPr>
+        <a:xfrm>
+          <a:off x="0" y="0"/>
+          <a:ext cx="0" cy="0"/>
+          <a:chOff x="0" y="0"/>
+          <a:chExt cx="0" cy="0"/>
+        </a:xfrm>
+      </p:grpSpPr>
+      <p:sp>
+        <p:nvSpPr>
+          <p:cNvPr id="2" name="Cím 1"/>
+          <p:cNvSpPr>
+            <a:spLocks noGrp="1"/>
+          </p:cNvSpPr>
+          <p:nvPr>
+            <p:ph type="title"/>
+          </p:nvPr>
+        </p:nvSpPr>
+        <p:spPr>
+          <a:xfrm>
+            <a:off x="1141413" y="609600"/>
+            <a:ext cx="3310271" cy="1014663"/>
+          </a:xfrm>
+        </p:spPr>
+        <p:txBody>
+          <a:bodyPr/>
+          <a:lstStyle/>
+          <a:p>
+            <a:r>
+              <a:rPr lang="hu-HU" dirty="0" smtClean="0"/>
+              <a:t>Tápegység</a:t>
+            </a:r>
+            <a:endParaRPr lang="hu-HU" dirty="0"/>
+          </a:p>
+        </p:txBody>
+      </p:sp>
+      <p:sp>
+        <p:nvSpPr>
+          <p:cNvPr id="3" name="Tartalom helye 2"/>
+          <p:cNvSpPr>
+            <a:spLocks noGrp="1"/>
+          </p:cNvSpPr>
+          <p:nvPr>
+            <p:ph idx="1"/>
+          </p:nvPr>
+        </p:nvSpPr>
+        <p:spPr>
+          <a:xfrm>
+            <a:off x="915503" y="2420471"/>
+            <a:ext cx="9783261" cy="4334200"/>
+          </a:xfrm>
+        </p:spPr>
+        <p:txBody>
+          <a:bodyPr>
+            <a:normAutofit/>
+          </a:bodyPr>
+          <a:lstStyle/>
+          <a:p>
+            <a:pPr marL="0" indent="0" fontAlgn="base">
+              <a:buNone/>
+            </a:pPr>
+            <a:r>
+              <a:rPr lang="hu-HU" b="1" dirty="0" smtClean="0">
+                <a:effectLst/>
+              </a:rPr>
+              <a:t>Miket vegyünk figyelembe tápegység beszerzésénél?</a:t>
+            </a:r>
+          </a:p>
+          <a:p>
+            <a:pPr fontAlgn="base"/>
+            <a:r>
+              <a:rPr lang="hu-HU" b="1" dirty="0" smtClean="0">
+                <a:effectLst/>
+              </a:rPr>
+              <a:t>márka:</a:t>
+            </a:r>
+            <a:r>
+              <a:rPr lang="hu-HU" dirty="0">
+                <a:effectLst/>
+              </a:rPr>
+              <a:t> </a:t>
+            </a:r>
+            <a:r>
+              <a:rPr lang="hu-HU" dirty="0" smtClean="0">
+                <a:effectLst/>
+              </a:rPr>
+              <a:t>garantáltan </a:t>
+            </a:r>
+            <a:r>
+              <a:rPr lang="hu-HU" dirty="0">
+                <a:effectLst/>
+              </a:rPr>
+              <a:t>minőségi alkatrészek dolgozzanak odabent.</a:t>
+            </a:r>
+            <a:endParaRPr lang="hu-HU" sz="3600" dirty="0">
+              <a:effectLst/>
+            </a:endParaRPr>
+          </a:p>
+          <a:p>
+            <a:pPr fontAlgn="base"/>
+            <a:r>
+              <a:rPr lang="hu-HU" b="1" dirty="0" smtClean="0">
+                <a:effectLst/>
+              </a:rPr>
+              <a:t>védelmi </a:t>
+            </a:r>
+            <a:r>
+              <a:rPr lang="hu-HU" b="1" dirty="0">
+                <a:effectLst/>
+              </a:rPr>
+              <a:t>áramkörök.</a:t>
+            </a:r>
+            <a:r>
+              <a:rPr lang="hu-HU" dirty="0">
+                <a:effectLst/>
+              </a:rPr>
+              <a:t> Túlmelegedés, túlfeszültség, túláram stb. ellen mind hatékony védelemre van szükség.</a:t>
+            </a:r>
+            <a:endParaRPr lang="hu-HU" sz="3600" dirty="0">
+              <a:effectLst/>
+            </a:endParaRPr>
+          </a:p>
+          <a:p>
+            <a:pPr fontAlgn="base"/>
+            <a:r>
+              <a:rPr lang="hu-HU" b="1" dirty="0" smtClean="0">
+                <a:effectLst/>
+              </a:rPr>
+              <a:t>elegendő </a:t>
+            </a:r>
+            <a:r>
+              <a:rPr lang="hu-HU" b="1" dirty="0">
+                <a:effectLst/>
+              </a:rPr>
+              <a:t>csatlakozó:</a:t>
+            </a:r>
+            <a:r>
+              <a:rPr lang="hu-HU" dirty="0">
+                <a:effectLst/>
+              </a:rPr>
+              <a:t> </a:t>
+            </a:r>
+            <a:r>
+              <a:rPr lang="hu-HU" dirty="0" smtClean="0">
+                <a:effectLst/>
+              </a:rPr>
+              <a:t>számít </a:t>
+            </a:r>
+            <a:r>
+              <a:rPr lang="hu-HU" dirty="0">
+                <a:effectLst/>
+              </a:rPr>
+              <a:t>a kiegészítő tápcsatlakozó és a </a:t>
+            </a:r>
+            <a:r>
+              <a:rPr lang="hu-HU" dirty="0" err="1">
+                <a:effectLst/>
+              </a:rPr>
+              <a:t>Molexek</a:t>
+            </a:r>
+            <a:r>
+              <a:rPr lang="hu-HU" dirty="0">
+                <a:effectLst/>
+              </a:rPr>
+              <a:t> </a:t>
+            </a:r>
+            <a:r>
+              <a:rPr lang="hu-HU" dirty="0" smtClean="0">
+                <a:effectLst/>
+              </a:rPr>
+              <a:t>száma</a:t>
+            </a:r>
+          </a:p>
+          <a:p>
+            <a:pPr fontAlgn="base"/>
+            <a:r>
+              <a:rPr lang="hu-HU" b="1" dirty="0" smtClean="0">
+                <a:effectLst/>
+              </a:rPr>
+              <a:t>Hatékonyság</a:t>
+            </a:r>
+          </a:p>
+          <a:p>
+            <a:pPr fontAlgn="base"/>
+            <a:r>
+              <a:rPr lang="hu-HU" b="1" dirty="0" smtClean="0">
+                <a:effectLst/>
+              </a:rPr>
+              <a:t>Igény</a:t>
+            </a:r>
+          </a:p>
+        </p:txBody>
+      </p:sp>
+      <p:pic>
+        <p:nvPicPr>
+          <p:cNvPr id="6" name="Kép 5"/>
+          <p:cNvPicPr>
+            <a:picLocks noChangeAspect="1"/>
+          </p:cNvPicPr>
+          <p:nvPr/>
+        </p:nvPicPr>
+        <p:blipFill>
+          <a:blip r:embed="rId2">
+            <a:extLst>
+              <a:ext uri="{28A0092B-C50C-407E-A947-70E740481C1C}">
+                <a14:useLocalDpi xmlns:a14="http://schemas.microsoft.com/office/drawing/2010/main" val="0"/>
+              </a:ext>
+            </a:extLst>
+          </a:blip>
+          <a:stretch>
+            <a:fillRect/>
+          </a:stretch>
+        </p:blipFill>
+        <p:spPr>
+          <a:xfrm>
+            <a:off x="7824468" y="0"/>
+            <a:ext cx="3830545" cy="3830545"/>
+          </a:xfrm>
+          <a:prstGeom prst="rect">
+            <a:avLst/>
+          </a:prstGeom>
+        </p:spPr>
+      </p:pic>
+    </p:spTree>
+    <p:extLst>
+      <p:ext uri="{BB962C8B-B14F-4D97-AF65-F5344CB8AC3E}">
+        <p14:creationId xmlns:p14="http://schemas.microsoft.com/office/powerpoint/2010/main" val="2764916116"/>
+      </p:ext>
+    </p:extLst>
+  </p:cSld>
+  <p:clrMapOvr>
+    <a:masterClrMapping/>
+  </p:clrMapOvr>
+  <p:timing>
+    <p:tnLst>
+      <p:par>
+        <p:cTn id="1" dur="indefinite" restart="never" nodeType="tmRoot"/>
+      </p:par>
+    </p:tnLst>
+  </p:timing>
+</p:sld>
+</file>
+
+<file path=ppt/slides/slide5.xml><?xml version="1.0" encoding="utf-8"?>
 <p:sld xmlns:a="http://schemas.openxmlformats.org/drawingml/2006/main" xmlns:r="http://schemas.openxmlformats.org/officeDocument/2006/relationships" xmlns:p="http://schemas.openxmlformats.org/presentationml/2006/main">
   <p:cSld>
     <p:spTree>
@@ -6477,7 +6730,7 @@
 </p:sld>
 </file>
 
-<file path=ppt/slides/slide5.xml><?xml version="1.0" encoding="utf-8"?>
+<file path=ppt/slides/slide6.xml><?xml version="1.0" encoding="utf-8"?>
 <p:sld xmlns:a="http://schemas.openxmlformats.org/drawingml/2006/main" xmlns:r="http://schemas.openxmlformats.org/officeDocument/2006/relationships" xmlns:p="http://schemas.openxmlformats.org/presentationml/2006/main">
   <p:cSld>
     <p:spTree>
@@ -6509,13 +6762,17 @@
           <a:bodyPr/>
           <a:lstStyle/>
           <a:p>
+            <a:r>
+              <a:rPr lang="hu-HU" dirty="0" smtClean="0"/>
+              <a:t>Források:</a:t>
+            </a:r>
             <a:endParaRPr lang="hu-HU" dirty="0"/>
           </a:p>
         </p:txBody>
       </p:sp>
       <p:sp>
         <p:nvSpPr>
-          <p:cNvPr id="5" name="Tartalom helye 4"/>
+          <p:cNvPr id="7" name="Tartalom helye 6"/>
           <p:cNvSpPr>
             <a:spLocks noGrp="1"/>
           </p:cNvSpPr>
@@ -6528,7 +6785,51 @@
           <a:bodyPr/>
           <a:lstStyle/>
           <a:p>
-            <a:endParaRPr lang="hu-HU"/>
+            <a:r>
+              <a:rPr lang="hu-HU" dirty="0">
+                <a:hlinkClick r:id="rId2"/>
+              </a:rPr>
+              <a:t>https://tinyurl.hu/utr7</a:t>
+            </a:r>
+          </a:p>
+          <a:p>
+            <a:r>
+              <a:rPr lang="hu-HU" dirty="0" smtClean="0">
+                <a:hlinkClick r:id="rId2"/>
+              </a:rPr>
+              <a:t>https</a:t>
+            </a:r>
+            <a:r>
+              <a:rPr lang="hu-HU" dirty="0">
+                <a:hlinkClick r:id="rId2"/>
+              </a:rPr>
+              <a:t>://</a:t>
+            </a:r>
+            <a:r>
+              <a:rPr lang="hu-HU" dirty="0" smtClean="0">
+                <a:hlinkClick r:id="rId2"/>
+              </a:rPr>
+              <a:t>tinyurl.hu/OOIE</a:t>
+            </a:r>
+            <a:endParaRPr lang="hu-HU" dirty="0" smtClean="0"/>
+          </a:p>
+          <a:p>
+            <a:r>
+              <a:rPr lang="hu-HU" dirty="0">
+                <a:hlinkClick r:id="rId3"/>
+              </a:rPr>
+              <a:t>https://</a:t>
+            </a:r>
+            <a:r>
+              <a:rPr lang="hu-HU" dirty="0" smtClean="0">
+                <a:hlinkClick r:id="rId3"/>
+              </a:rPr>
+              <a:t>tinyurl.hu/ztbc</a:t>
+            </a:r>
+            <a:endParaRPr lang="hu-HU" dirty="0" smtClean="0"/>
+          </a:p>
+          <a:p>
+            <a:endParaRPr lang="hu-HU" dirty="0"/>
           </a:p>
         </p:txBody>
       </p:sp>
